--- a/www/CLIAR_template.pptx
+++ b/www/CLIAR_template.pptx
@@ -203,14 +203,6 @@
           <pc:docMk/>
           <pc:sldMk cId="3182071835" sldId="911"/>
         </pc:sldMkLst>
-        <pc:spChg chg="mod">
-          <ac:chgData name="Eric Braian Arias" userId="c62768a6-f1c9-4f65-8c27-4013de4dab9d" providerId="ADAL" clId="{A442A018-7657-4B09-AF96-DDBA0BD28995}" dt="2023-11-06T14:27:24.482" v="45" actId="20577"/>
-          <ac:spMkLst>
-            <pc:docMk/>
-            <pc:sldMk cId="3182071835" sldId="911"/>
-            <ac:spMk id="6" creationId="{A17E4AFE-AAAE-D348-A1F0-E1761719A80E}"/>
-          </ac:spMkLst>
-        </pc:spChg>
       </pc:sldChg>
       <pc:sldChg chg="modSp mod">
         <pc:chgData name="Eric Braian Arias" userId="c62768a6-f1c9-4f65-8c27-4013de4dab9d" providerId="ADAL" clId="{A442A018-7657-4B09-AF96-DDBA0BD28995}" dt="2023-11-06T14:17:10.282" v="7" actId="6549"/>
@@ -218,14 +210,6 @@
           <pc:docMk/>
           <pc:sldMk cId="3511338957" sldId="1008"/>
         </pc:sldMkLst>
-        <pc:spChg chg="mod">
-          <ac:chgData name="Eric Braian Arias" userId="c62768a6-f1c9-4f65-8c27-4013de4dab9d" providerId="ADAL" clId="{A442A018-7657-4B09-AF96-DDBA0BD28995}" dt="2023-11-06T14:17:10.282" v="7" actId="6549"/>
-          <ac:spMkLst>
-            <pc:docMk/>
-            <pc:sldMk cId="3511338957" sldId="1008"/>
-            <ac:spMk id="6" creationId="{0BD9596C-FF0E-8F41-BE80-66DCD1E3A6AF}"/>
-          </ac:spMkLst>
-        </pc:spChg>
       </pc:sldChg>
       <pc:sldChg chg="modSp mod modNotesTx">
         <pc:chgData name="Eric Braian Arias" userId="c62768a6-f1c9-4f65-8c27-4013de4dab9d" providerId="ADAL" clId="{A442A018-7657-4B09-AF96-DDBA0BD28995}" dt="2023-11-06T14:25:13.622" v="20" actId="20577"/>
@@ -233,22 +217,6 @@
           <pc:docMk/>
           <pc:sldMk cId="1830520812" sldId="1018"/>
         </pc:sldMkLst>
-        <pc:spChg chg="mod">
-          <ac:chgData name="Eric Braian Arias" userId="c62768a6-f1c9-4f65-8c27-4013de4dab9d" providerId="ADAL" clId="{A442A018-7657-4B09-AF96-DDBA0BD28995}" dt="2023-11-06T14:25:09.777" v="19" actId="20577"/>
-          <ac:spMkLst>
-            <pc:docMk/>
-            <pc:sldMk cId="1830520812" sldId="1018"/>
-            <ac:spMk id="3" creationId="{ABE97ED0-C36E-2841-8974-AD86BCCA4D79}"/>
-          </ac:spMkLst>
-        </pc:spChg>
-        <pc:spChg chg="mod">
-          <ac:chgData name="Eric Braian Arias" userId="c62768a6-f1c9-4f65-8c27-4013de4dab9d" providerId="ADAL" clId="{A442A018-7657-4B09-AF96-DDBA0BD28995}" dt="2023-11-06T14:17:01.820" v="5" actId="20577"/>
-          <ac:spMkLst>
-            <pc:docMk/>
-            <pc:sldMk cId="1830520812" sldId="1018"/>
-            <ac:spMk id="5" creationId="{9B6D9716-B1E4-7947-8D31-D52183B92907}"/>
-          </ac:spMkLst>
-        </pc:spChg>
       </pc:sldChg>
       <pc:sldChg chg="del">
         <pc:chgData name="Eric Braian Arias" userId="c62768a6-f1c9-4f65-8c27-4013de4dab9d" providerId="ADAL" clId="{A442A018-7657-4B09-AF96-DDBA0BD28995}" dt="2023-11-06T14:25:49.222" v="24" actId="47"/>
@@ -410,14 +378,6 @@
           <pc:docMk/>
           <pc:sldMk cId="3545935170" sldId="2141411711"/>
         </pc:sldMkLst>
-        <pc:spChg chg="mod">
-          <ac:chgData name="Eric Braian Arias" userId="c62768a6-f1c9-4f65-8c27-4013de4dab9d" providerId="ADAL" clId="{A442A018-7657-4B09-AF96-DDBA0BD28995}" dt="2023-11-06T14:35:35.784" v="48"/>
-          <ac:spMkLst>
-            <pc:docMk/>
-            <pc:sldMk cId="3545935170" sldId="2141411711"/>
-            <ac:spMk id="2" creationId="{5E7122B8-BAC3-AB9E-A780-984C36AC1190}"/>
-          </ac:spMkLst>
-        </pc:spChg>
       </pc:sldChg>
       <pc:sldChg chg="del">
         <pc:chgData name="Eric Braian Arias" userId="c62768a6-f1c9-4f65-8c27-4013de4dab9d" providerId="ADAL" clId="{A442A018-7657-4B09-AF96-DDBA0BD28995}" dt="2023-11-06T14:25:49.222" v="24" actId="47"/>
@@ -440,6 +400,45 @@
           <pc:sldMk cId="1034374642" sldId="2141411714"/>
         </pc:sldMkLst>
       </pc:sldChg>
+    </pc:docChg>
+  </pc:docChgLst>
+  <pc:docChgLst>
+    <pc:chgData name="Ifeanyi Nzegwu Edochie" userId="2f6cef23-e091-4b3f-a787-5c831fbb4361" providerId="ADAL" clId="{5B706D1D-13D6-4A3A-832B-0EB750B745C7}"/>
+    <pc:docChg chg="mod modSld modMainMaster">
+      <pc:chgData name="Ifeanyi Nzegwu Edochie" userId="2f6cef23-e091-4b3f-a787-5c831fbb4361" providerId="ADAL" clId="{5B706D1D-13D6-4A3A-832B-0EB750B745C7}" dt="2025-11-20T19:35:22.899" v="3" actId="33475"/>
+      <pc:docMkLst>
+        <pc:docMk/>
+      </pc:docMkLst>
+      <pc:sldChg chg="modSp mod">
+        <pc:chgData name="Ifeanyi Nzegwu Edochie" userId="2f6cef23-e091-4b3f-a787-5c831fbb4361" providerId="ADAL" clId="{5B706D1D-13D6-4A3A-832B-0EB750B745C7}" dt="2025-11-20T19:35:22.864" v="1" actId="20577"/>
+        <pc:sldMkLst>
+          <pc:docMk/>
+          <pc:sldMk cId="1830520812" sldId="1018"/>
+        </pc:sldMkLst>
+        <pc:spChg chg="mod">
+          <ac:chgData name="Ifeanyi Nzegwu Edochie" userId="2f6cef23-e091-4b3f-a787-5c831fbb4361" providerId="ADAL" clId="{5B706D1D-13D6-4A3A-832B-0EB750B745C7}" dt="2025-11-20T19:35:22.864" v="1" actId="20577"/>
+          <ac:spMkLst>
+            <pc:docMk/>
+            <pc:sldMk cId="1830520812" sldId="1018"/>
+            <ac:spMk id="3" creationId="{ABE97ED0-C36E-2841-8974-AD86BCCA4D79}"/>
+          </ac:spMkLst>
+        </pc:spChg>
+      </pc:sldChg>
+      <pc:sldMasterChg chg="addSp mod">
+        <pc:chgData name="Ifeanyi Nzegwu Edochie" userId="2f6cef23-e091-4b3f-a787-5c831fbb4361" providerId="ADAL" clId="{5B706D1D-13D6-4A3A-832B-0EB750B745C7}" dt="2025-11-20T19:35:22.897" v="2" actId="33475"/>
+        <pc:sldMasterMkLst>
+          <pc:docMk/>
+          <pc:sldMasterMk cId="2981682709" sldId="2147483661"/>
+        </pc:sldMasterMkLst>
+        <pc:spChg chg="add">
+          <ac:chgData name="Ifeanyi Nzegwu Edochie" userId="2f6cef23-e091-4b3f-a787-5c831fbb4361" providerId="ADAL" clId="{5B706D1D-13D6-4A3A-832B-0EB750B745C7}" dt="2025-11-20T19:35:22.897" v="2" actId="33475"/>
+          <ac:spMkLst>
+            <pc:docMk/>
+            <pc:sldMasterMk cId="2981682709" sldId="2147483661"/>
+            <ac:spMk id="3" creationId="{2EB9074A-0C1E-1C56-D7B1-F397876A209D}"/>
+          </ac:spMkLst>
+        </pc:spChg>
+      </pc:sldMasterChg>
     </pc:docChg>
   </pc:docChgLst>
 </pc:chgInfo>
@@ -527,7 +526,7 @@
           <a:p>
             <a:fld id="{9EFFC45B-4969-4982-B259-08F17AE2E29E}" type="datetimeFigureOut">
               <a:rPr lang="en-US" smtClean="0"/>
-              <a:t>12/10/24</a:t>
+              <a:t>11/20/2025</a:t>
             </a:fld>
             <a:endParaRPr lang="en-US"/>
           </a:p>
@@ -2566,6 +2565,56 @@
           <a:chExt cx="0" cy="0"/>
         </a:xfrm>
       </p:grpSpPr>
+      <p:sp>
+        <p:nvSpPr>
+          <p:cNvPr id="3" name="TextBox 2">
+            <a:extLst>
+              <a:ext uri="{FF2B5EF4-FFF2-40B4-BE49-F238E27FC236}">
+                <a16:creationId xmlns:a16="http://schemas.microsoft.com/office/drawing/2014/main" id="{2EB9074A-0C1E-1C56-D7B1-F397876A209D}"/>
+              </a:ext>
+            </a:extLst>
+          </p:cNvPr>
+          <p:cNvSpPr txBox="1"/>
+          <p:nvPr userDrawn="1">
+            <p:extLst>
+              <p:ext uri="{1162E1C5-73C7-4A58-AE30-91384D911F3F}">
+                <p184:classification xmlns:p184="http://schemas.microsoft.com/office/powerpoint/2018/4/main" val="ftr"/>
+              </p:ext>
+            </p:extLst>
+          </p:nvPr>
+        </p:nvSpPr>
+        <p:spPr>
+          <a:xfrm>
+            <a:off x="11280775" y="6642100"/>
+            <a:ext cx="876300" cy="152400"/>
+          </a:xfrm>
+          <a:prstGeom prst="rect">
+            <a:avLst/>
+          </a:prstGeom>
+        </p:spPr>
+        <p:txBody>
+          <a:bodyPr horzOverflow="overflow" lIns="0" tIns="0" rIns="0" bIns="0">
+            <a:spAutoFit/>
+          </a:bodyPr>
+          <a:lstStyle/>
+          <a:p>
+            <a:pPr algn="l"/>
+            <a:r>
+              <a:rPr lang="en-US" sz="1000">
+                <a:solidFill>
+                  <a:srgbClr val="000000">
+                    <a:alpha val="50000"/>
+                  </a:srgbClr>
+                </a:solidFill>
+                <a:latin typeface="Calibri" panose="020F0502020204030204" pitchFamily="34" charset="0"/>
+                <a:ea typeface="Calibri" panose="020F0502020204030204" pitchFamily="34" charset="0"/>
+                <a:cs typeface="Calibri" panose="020F0502020204030204" pitchFamily="34" charset="0"/>
+              </a:rPr>
+              <a:t>Official Use Only</a:t>
+            </a:r>
+          </a:p>
+        </p:txBody>
+      </p:sp>
     </p:spTree>
     <p:extLst>
       <p:ext uri="{BB962C8B-B14F-4D97-AF65-F5344CB8AC3E}">
@@ -3633,8 +3682,19 @@
                 <a:latin typeface="+mj-lt"/>
                 <a:cs typeface="Arial" panose="020B0604020202020204" pitchFamily="34" charset="0"/>
               </a:rPr>
-              <a:t>~140 / 300 indicators spanning the period between 1990 and 2022. </a:t>
-            </a:r>
+              <a:t>~140 / 300 indicators spanning the period between 1990 </a:t>
+            </a:r>
+            <a:r>
+              <a:rPr lang="en-US" sz="2000">
+                <a:latin typeface="+mj-lt"/>
+                <a:cs typeface="Arial" panose="020B0604020202020204" pitchFamily="34" charset="0"/>
+              </a:rPr>
+              <a:t>and 2024. </a:t>
+            </a:r>
+            <a:endParaRPr lang="en-US" sz="2000" dirty="0">
+              <a:latin typeface="+mj-lt"/>
+              <a:cs typeface="Arial" panose="020B0604020202020204" pitchFamily="34" charset="0"/>
+            </a:endParaRPr>
           </a:p>
           <a:p>
             <a:pPr marL="0" indent="0">
@@ -6478,6 +6538,23 @@
 </file>
 
 <file path=customXml/item1.xml><?xml version="1.0" encoding="utf-8"?>
+<p:properties xmlns:p="http://schemas.microsoft.com/office/2006/metadata/properties" xmlns:xsi="http://www.w3.org/2001/XMLSchema-instance" xmlns:pc="http://schemas.microsoft.com/office/infopath/2007/PartnerControls">
+  <documentManagement>
+    <_activity xmlns="f1e5155a-4de1-4edf-b0c6-53134e0e5e81" xsi:nil="true"/>
+  </documentManagement>
+</p:properties>
+</file>
+
+<file path=customXml/item2.xml><?xml version="1.0" encoding="utf-8"?>
+<?mso-contentType ?>
+<FormTemplates xmlns="http://schemas.microsoft.com/sharepoint/v3/contenttype/forms">
+  <Display>DocumentLibraryForm</Display>
+  <Edit>DocumentLibraryForm</Edit>
+  <New>DocumentLibraryForm</New>
+</FormTemplates>
+</file>
+
+<file path=customXml/item3.xml><?xml version="1.0" encoding="utf-8"?>
 <ct:contentTypeSchema xmlns:ct="http://schemas.microsoft.com/office/2006/metadata/contentType" xmlns:ma="http://schemas.microsoft.com/office/2006/metadata/properties/metaAttributes" ct:_="" ma:_="" ma:contentTypeName="Document" ma:contentTypeID="0x01010098E9BA56E76D2447B6B33114ABBEA9D5" ma:contentTypeVersion="17" ma:contentTypeDescription="Create a new document." ma:contentTypeScope="" ma:versionID="eab5cebe44a9e109ecf62201a47214c6">
   <xsd:schema xmlns:xsd="http://www.w3.org/2001/XMLSchema" xmlns:xs="http://www.w3.org/2001/XMLSchema" xmlns:p="http://schemas.microsoft.com/office/2006/metadata/properties" xmlns:ns3="f1e5155a-4de1-4edf-b0c6-53134e0e5e81" xmlns:ns4="5b55b796-daa0-475c-b335-bbbb10b30c8e" targetNamespace="http://schemas.microsoft.com/office/2006/metadata/properties" ma:root="true" ma:fieldsID="dc852987dc368e0378459c8db44b5057" ns3:_="" ns4:_="">
     <xsd:import namespace="f1e5155a-4de1-4edf-b0c6-53134e0e5e81"/>
@@ -6724,24 +6801,32 @@
 </ct:contentTypeSchema>
 </file>
 
-<file path=customXml/item2.xml><?xml version="1.0" encoding="utf-8"?>
-<?mso-contentType ?>
-<FormTemplates xmlns="http://schemas.microsoft.com/sharepoint/v3/contenttype/forms">
-  <Display>DocumentLibraryForm</Display>
-  <Edit>DocumentLibraryForm</Edit>
-  <New>DocumentLibraryForm</New>
-</FormTemplates>
+<file path=customXml/itemProps1.xml><?xml version="1.0" encoding="utf-8"?>
+<ds:datastoreItem xmlns:ds="http://schemas.openxmlformats.org/officeDocument/2006/customXml" ds:itemID="{2ED8AE79-DE43-479A-A824-5F04350F9EC7}">
+  <ds:schemaRefs>
+    <ds:schemaRef ds:uri="5b55b796-daa0-475c-b335-bbbb10b30c8e"/>
+    <ds:schemaRef ds:uri="f1e5155a-4de1-4edf-b0c6-53134e0e5e81"/>
+    <ds:schemaRef ds:uri="http://purl.org/dc/dcmitype/"/>
+    <ds:schemaRef ds:uri="http://purl.org/dc/elements/1.1/"/>
+    <ds:schemaRef ds:uri="http://purl.org/dc/terms/"/>
+    <ds:schemaRef ds:uri="http://schemas.microsoft.com/office/2006/documentManagement/types"/>
+    <ds:schemaRef ds:uri="http://schemas.microsoft.com/office/2006/metadata/properties"/>
+    <ds:schemaRef ds:uri="http://schemas.microsoft.com/office/infopath/2007/PartnerControls"/>
+    <ds:schemaRef ds:uri="http://schemas.openxmlformats.org/package/2006/metadata/core-properties"/>
+    <ds:schemaRef ds:uri="http://www.w3.org/XML/1998/namespace"/>
+  </ds:schemaRefs>
+</ds:datastoreItem>
 </file>
 
-<file path=customXml/item3.xml><?xml version="1.0" encoding="utf-8"?>
-<p:properties xmlns:p="http://schemas.microsoft.com/office/2006/metadata/properties" xmlns:xsi="http://www.w3.org/2001/XMLSchema-instance" xmlns:pc="http://schemas.microsoft.com/office/infopath/2007/PartnerControls">
-  <documentManagement>
-    <_activity xmlns="f1e5155a-4de1-4edf-b0c6-53134e0e5e81" xsi:nil="true"/>
-  </documentManagement>
-</p:properties>
+<file path=customXml/itemProps2.xml><?xml version="1.0" encoding="utf-8"?>
+<ds:datastoreItem xmlns:ds="http://schemas.openxmlformats.org/officeDocument/2006/customXml" ds:itemID="{37500ECD-F1A1-4CA3-A5DC-2E37CCD17AB4}">
+  <ds:schemaRefs>
+    <ds:schemaRef ds:uri="http://schemas.microsoft.com/sharepoint/v3/contenttype/forms"/>
+  </ds:schemaRefs>
+</ds:datastoreItem>
 </file>
 
-<file path=customXml/itemProps1.xml><?xml version="1.0" encoding="utf-8"?>
+<file path=customXml/itemProps3.xml><?xml version="1.0" encoding="utf-8"?>
 <ds:datastoreItem xmlns:ds="http://schemas.openxmlformats.org/officeDocument/2006/customXml" ds:itemID="{AD731547-222C-4B6E-862E-4C4E35A78C01}">
   <ds:schemaRefs>
     <ds:schemaRef ds:uri="5b55b796-daa0-475c-b335-bbbb10b30c8e"/>
@@ -6758,29 +6843,4 @@
     <ds:schemaRef ds:uri="http://www.w3.org/2001/XMLSchema"/>
   </ds:schemaRefs>
 </ds:datastoreItem>
-</file>
-
-<file path=customXml/itemProps2.xml><?xml version="1.0" encoding="utf-8"?>
-<ds:datastoreItem xmlns:ds="http://schemas.openxmlformats.org/officeDocument/2006/customXml" ds:itemID="{37500ECD-F1A1-4CA3-A5DC-2E37CCD17AB4}">
-  <ds:schemaRefs>
-    <ds:schemaRef ds:uri="http://schemas.microsoft.com/sharepoint/v3/contenttype/forms"/>
-  </ds:schemaRefs>
-</ds:datastoreItem>
-</file>
-
-<file path=customXml/itemProps3.xml><?xml version="1.0" encoding="utf-8"?>
-<ds:datastoreItem xmlns:ds="http://schemas.openxmlformats.org/officeDocument/2006/customXml" ds:itemID="{2ED8AE79-DE43-479A-A824-5F04350F9EC7}">
-  <ds:schemaRefs>
-    <ds:schemaRef ds:uri="5b55b796-daa0-475c-b335-bbbb10b30c8e"/>
-    <ds:schemaRef ds:uri="f1e5155a-4de1-4edf-b0c6-53134e0e5e81"/>
-    <ds:schemaRef ds:uri="http://purl.org/dc/dcmitype/"/>
-    <ds:schemaRef ds:uri="http://purl.org/dc/elements/1.1/"/>
-    <ds:schemaRef ds:uri="http://purl.org/dc/terms/"/>
-    <ds:schemaRef ds:uri="http://schemas.microsoft.com/office/2006/documentManagement/types"/>
-    <ds:schemaRef ds:uri="http://schemas.microsoft.com/office/2006/metadata/properties"/>
-    <ds:schemaRef ds:uri="http://schemas.microsoft.com/office/infopath/2007/PartnerControls"/>
-    <ds:schemaRef ds:uri="http://schemas.openxmlformats.org/package/2006/metadata/core-properties"/>
-    <ds:schemaRef ds:uri="http://www.w3.org/XML/1998/namespace"/>
-  </ds:schemaRefs>
-</ds:datastoreItem>
 </file>